--- a/day1/furniture/solution/solution.pptx
+++ b/day1/furniture/solution/solution.pptx
@@ -261,7 +261,7 @@
           <a:p>
             <a:fld id="{3AFA191E-E1A8-4BFA-88E7-9C613218A23C}" type="datetimeFigureOut">
               <a:rPr lang="zh-CN" altLang="en-US" smtClean="0"/>
-              <a:t>2019/5/11</a:t>
+              <a:t>2019/5/13</a:t>
             </a:fld>
             <a:endParaRPr lang="zh-CN" altLang="en-US"/>
           </a:p>
@@ -459,7 +459,7 @@
           <a:p>
             <a:fld id="{3AFA191E-E1A8-4BFA-88E7-9C613218A23C}" type="datetimeFigureOut">
               <a:rPr lang="zh-CN" altLang="en-US" smtClean="0"/>
-              <a:t>2019/5/11</a:t>
+              <a:t>2019/5/13</a:t>
             </a:fld>
             <a:endParaRPr lang="zh-CN" altLang="en-US"/>
           </a:p>
@@ -667,7 +667,7 @@
           <a:p>
             <a:fld id="{3AFA191E-E1A8-4BFA-88E7-9C613218A23C}" type="datetimeFigureOut">
               <a:rPr lang="zh-CN" altLang="en-US" smtClean="0"/>
-              <a:t>2019/5/11</a:t>
+              <a:t>2019/5/13</a:t>
             </a:fld>
             <a:endParaRPr lang="zh-CN" altLang="en-US"/>
           </a:p>
@@ -865,7 +865,7 @@
           <a:p>
             <a:fld id="{3AFA191E-E1A8-4BFA-88E7-9C613218A23C}" type="datetimeFigureOut">
               <a:rPr lang="zh-CN" altLang="en-US" smtClean="0"/>
-              <a:t>2019/5/11</a:t>
+              <a:t>2019/5/13</a:t>
             </a:fld>
             <a:endParaRPr lang="zh-CN" altLang="en-US"/>
           </a:p>
@@ -1140,7 +1140,7 @@
           <a:p>
             <a:fld id="{3AFA191E-E1A8-4BFA-88E7-9C613218A23C}" type="datetimeFigureOut">
               <a:rPr lang="zh-CN" altLang="en-US" smtClean="0"/>
-              <a:t>2019/5/11</a:t>
+              <a:t>2019/5/13</a:t>
             </a:fld>
             <a:endParaRPr lang="zh-CN" altLang="en-US"/>
           </a:p>
@@ -1405,7 +1405,7 @@
           <a:p>
             <a:fld id="{3AFA191E-E1A8-4BFA-88E7-9C613218A23C}" type="datetimeFigureOut">
               <a:rPr lang="zh-CN" altLang="en-US" smtClean="0"/>
-              <a:t>2019/5/11</a:t>
+              <a:t>2019/5/13</a:t>
             </a:fld>
             <a:endParaRPr lang="zh-CN" altLang="en-US"/>
           </a:p>
@@ -1817,7 +1817,7 @@
           <a:p>
             <a:fld id="{3AFA191E-E1A8-4BFA-88E7-9C613218A23C}" type="datetimeFigureOut">
               <a:rPr lang="zh-CN" altLang="en-US" smtClean="0"/>
-              <a:t>2019/5/11</a:t>
+              <a:t>2019/5/13</a:t>
             </a:fld>
             <a:endParaRPr lang="zh-CN" altLang="en-US"/>
           </a:p>
@@ -1958,7 +1958,7 @@
           <a:p>
             <a:fld id="{3AFA191E-E1A8-4BFA-88E7-9C613218A23C}" type="datetimeFigureOut">
               <a:rPr lang="zh-CN" altLang="en-US" smtClean="0"/>
-              <a:t>2019/5/11</a:t>
+              <a:t>2019/5/13</a:t>
             </a:fld>
             <a:endParaRPr lang="zh-CN" altLang="en-US"/>
           </a:p>
@@ -2071,7 +2071,7 @@
           <a:p>
             <a:fld id="{3AFA191E-E1A8-4BFA-88E7-9C613218A23C}" type="datetimeFigureOut">
               <a:rPr lang="zh-CN" altLang="en-US" smtClean="0"/>
-              <a:t>2019/5/11</a:t>
+              <a:t>2019/5/13</a:t>
             </a:fld>
             <a:endParaRPr lang="zh-CN" altLang="en-US"/>
           </a:p>
@@ -2382,7 +2382,7 @@
           <a:p>
             <a:fld id="{3AFA191E-E1A8-4BFA-88E7-9C613218A23C}" type="datetimeFigureOut">
               <a:rPr lang="zh-CN" altLang="en-US" smtClean="0"/>
-              <a:t>2019/5/11</a:t>
+              <a:t>2019/5/13</a:t>
             </a:fld>
             <a:endParaRPr lang="zh-CN" altLang="en-US"/>
           </a:p>
@@ -2670,7 +2670,7 @@
           <a:p>
             <a:fld id="{3AFA191E-E1A8-4BFA-88E7-9C613218A23C}" type="datetimeFigureOut">
               <a:rPr lang="zh-CN" altLang="en-US" smtClean="0"/>
-              <a:t>2019/5/11</a:t>
+              <a:t>2019/5/13</a:t>
             </a:fld>
             <a:endParaRPr lang="zh-CN" altLang="en-US"/>
           </a:p>
@@ -2911,7 +2911,7 @@
           <a:p>
             <a:fld id="{3AFA191E-E1A8-4BFA-88E7-9C613218A23C}" type="datetimeFigureOut">
               <a:rPr lang="zh-CN" altLang="en-US" smtClean="0"/>
-              <a:t>2019/5/11</a:t>
+              <a:t>2019/5/13</a:t>
             </a:fld>
             <a:endParaRPr lang="zh-CN" altLang="en-US"/>
           </a:p>
@@ -3356,8 +3356,8 @@
           </a:p>
         </p:txBody>
       </p:sp>
-      <mc:AlternateContent xmlns:mc="http://schemas.openxmlformats.org/markup-compatibility/2006">
-        <mc:Choice xmlns:a14="http://schemas.microsoft.com/office/drawing/2010/main" Requires="a14">
+      <mc:AlternateContent xmlns:mc="http://schemas.openxmlformats.org/markup-compatibility/2006" xmlns:a14="http://schemas.microsoft.com/office/drawing/2010/main">
+        <mc:Choice Requires="a14">
           <p:sp>
             <p:nvSpPr>
               <p:cNvPr id="5" name="内容占位符 4">
@@ -3778,7 +3778,7 @@
             </p:txBody>
           </p:sp>
         </mc:Choice>
-        <mc:Fallback>
+        <mc:Fallback xmlns="">
           <p:sp>
             <p:nvSpPr>
               <p:cNvPr id="5" name="内容占位符 4">
@@ -3876,8 +3876,8 @@
           </a:p>
         </p:txBody>
       </p:sp>
-      <mc:AlternateContent xmlns:mc="http://schemas.openxmlformats.org/markup-compatibility/2006">
-        <mc:Choice xmlns:a14="http://schemas.microsoft.com/office/drawing/2010/main" Requires="a14">
+      <mc:AlternateContent xmlns:mc="http://schemas.openxmlformats.org/markup-compatibility/2006" xmlns:a14="http://schemas.microsoft.com/office/drawing/2010/main">
+        <mc:Choice Requires="a14">
           <p:sp>
             <p:nvSpPr>
               <p:cNvPr id="3" name="内容占位符 2">
@@ -4247,7 +4247,7 @@
             </p:txBody>
           </p:sp>
         </mc:Choice>
-        <mc:Fallback>
+        <mc:Fallback xmlns="">
           <p:sp>
             <p:nvSpPr>
               <p:cNvPr id="3" name="内容占位符 2">
@@ -4853,6 +4853,34 @@
                                 <a:latin typeface="Cambria Math" panose="02040503050406030204" pitchFamily="18" charset="0"/>
                               </a:rPr>
                               <m:t>𝑁</m:t>
+                            </m:r>
+                          </m:e>
+                        </m:func>
+                        <m:func>
+                          <m:funcPr>
+                            <m:ctrlPr>
+                              <a:rPr lang="en-US" altLang="zh-CN" b="0" i="1" smtClean="0">
+                                <a:latin typeface="Cambria Math" panose="02040503050406030204" pitchFamily="18" charset="0"/>
+                              </a:rPr>
+                            </m:ctrlPr>
+                          </m:funcPr>
+                          <m:fName>
+                            <m:r>
+                              <m:rPr>
+                                <m:sty m:val="p"/>
+                              </m:rPr>
+                              <a:rPr lang="en-US" altLang="zh-CN" b="0" i="0" smtClean="0">
+                                <a:latin typeface="Cambria Math" panose="02040503050406030204" pitchFamily="18" charset="0"/>
+                              </a:rPr>
+                              <m:t>log</m:t>
+                            </m:r>
+                          </m:fName>
+                          <m:e>
+                            <m:r>
+                              <a:rPr lang="en-US" altLang="zh-CN" b="0" i="1" smtClean="0">
+                                <a:latin typeface="Cambria Math" panose="02040503050406030204" pitchFamily="18" charset="0"/>
+                              </a:rPr>
+                              <m:t>𝑃</m:t>
                             </m:r>
                           </m:e>
                         </m:func>
@@ -5152,7 +5180,7 @@
               <a:blipFill>
                 <a:blip r:embed="rId2"/>
                 <a:stretch>
-                  <a:fillRect l="-1043" t="-2381" b="-280"/>
+                  <a:fillRect l="-1043" t="-2381" r="-580"/>
                 </a:stretch>
               </a:blipFill>
             </p:spPr>
